--- a/presentation.pptx
+++ b/presentation.pptx
@@ -7,11 +7,12 @@
   <p:sldIdLst>
     <p:sldId id="256" r:id="rId2"/>
     <p:sldId id="257" r:id="rId3"/>
-    <p:sldId id="258" r:id="rId4"/>
-    <p:sldId id="265" r:id="rId5"/>
-    <p:sldId id="266" r:id="rId6"/>
-    <p:sldId id="267" r:id="rId7"/>
-    <p:sldId id="261" r:id="rId8"/>
+    <p:sldId id="268" r:id="rId4"/>
+    <p:sldId id="258" r:id="rId5"/>
+    <p:sldId id="265" r:id="rId6"/>
+    <p:sldId id="266" r:id="rId7"/>
+    <p:sldId id="267" r:id="rId8"/>
+    <p:sldId id="261" r:id="rId9"/>
   </p:sldIdLst>
   <p:sldSz cx="12192000" cy="6858000"/>
   <p:notesSz cx="6858000" cy="9144000"/>
@@ -521,7 +522,7 @@
           <a:p>
             <a:fld id="{0EE5F6E2-3F31-4680-9C7B-A1F0DD87BB4B}" type="datetimeFigureOut">
               <a:rPr lang="ru-RU" smtClean="0"/>
-              <a:t>17.01.2023</a:t>
+              <a:t>20.01.2023</a:t>
             </a:fld>
             <a:endParaRPr lang="ru-RU"/>
           </a:p>
@@ -703,7 +704,7 @@
           <a:p>
             <a:fld id="{0EE5F6E2-3F31-4680-9C7B-A1F0DD87BB4B}" type="datetimeFigureOut">
               <a:rPr lang="ru-RU" smtClean="0"/>
-              <a:t>17.01.2023</a:t>
+              <a:t>20.01.2023</a:t>
             </a:fld>
             <a:endParaRPr lang="ru-RU"/>
           </a:p>
@@ -886,7 +887,7 @@
           <a:p>
             <a:fld id="{0EE5F6E2-3F31-4680-9C7B-A1F0DD87BB4B}" type="datetimeFigureOut">
               <a:rPr lang="ru-RU" smtClean="0"/>
-              <a:t>17.01.2023</a:t>
+              <a:t>20.01.2023</a:t>
             </a:fld>
             <a:endParaRPr lang="ru-RU"/>
           </a:p>
@@ -1059,7 +1060,7 @@
           <a:p>
             <a:fld id="{0EE5F6E2-3F31-4680-9C7B-A1F0DD87BB4B}" type="datetimeFigureOut">
               <a:rPr lang="ru-RU" smtClean="0"/>
-              <a:t>17.01.2023</a:t>
+              <a:t>20.01.2023</a:t>
             </a:fld>
             <a:endParaRPr lang="ru-RU"/>
           </a:p>
@@ -1375,7 +1376,7 @@
           <a:p>
             <a:fld id="{0EE5F6E2-3F31-4680-9C7B-A1F0DD87BB4B}" type="datetimeFigureOut">
               <a:rPr lang="ru-RU" smtClean="0"/>
-              <a:t>17.01.2023</a:t>
+              <a:t>20.01.2023</a:t>
             </a:fld>
             <a:endParaRPr lang="ru-RU"/>
           </a:p>
@@ -1764,7 +1765,7 @@
           <a:p>
             <a:fld id="{0EE5F6E2-3F31-4680-9C7B-A1F0DD87BB4B}" type="datetimeFigureOut">
               <a:rPr lang="ru-RU" smtClean="0"/>
-              <a:t>17.01.2023</a:t>
+              <a:t>20.01.2023</a:t>
             </a:fld>
             <a:endParaRPr lang="ru-RU"/>
           </a:p>
@@ -2201,7 +2202,7 @@
           <a:p>
             <a:fld id="{0EE5F6E2-3F31-4680-9C7B-A1F0DD87BB4B}" type="datetimeFigureOut">
               <a:rPr lang="ru-RU" smtClean="0"/>
-              <a:t>17.01.2023</a:t>
+              <a:t>20.01.2023</a:t>
             </a:fld>
             <a:endParaRPr lang="ru-RU"/>
           </a:p>
@@ -2322,7 +2323,7 @@
           <a:p>
             <a:fld id="{0EE5F6E2-3F31-4680-9C7B-A1F0DD87BB4B}" type="datetimeFigureOut">
               <a:rPr lang="ru-RU" smtClean="0"/>
-              <a:t>17.01.2023</a:t>
+              <a:t>20.01.2023</a:t>
             </a:fld>
             <a:endParaRPr lang="ru-RU"/>
           </a:p>
@@ -2420,7 +2421,7 @@
           <a:p>
             <a:fld id="{0EE5F6E2-3F31-4680-9C7B-A1F0DD87BB4B}" type="datetimeFigureOut">
               <a:rPr lang="ru-RU" smtClean="0"/>
-              <a:t>17.01.2023</a:t>
+              <a:t>20.01.2023</a:t>
             </a:fld>
             <a:endParaRPr lang="ru-RU"/>
           </a:p>
@@ -2773,7 +2774,7 @@
           <a:p>
             <a:fld id="{0EE5F6E2-3F31-4680-9C7B-A1F0DD87BB4B}" type="datetimeFigureOut">
               <a:rPr lang="ru-RU" smtClean="0"/>
-              <a:t>17.01.2023</a:t>
+              <a:t>20.01.2023</a:t>
             </a:fld>
             <a:endParaRPr lang="ru-RU"/>
           </a:p>
@@ -3201,7 +3202,7 @@
           <a:p>
             <a:fld id="{0EE5F6E2-3F31-4680-9C7B-A1F0DD87BB4B}" type="datetimeFigureOut">
               <a:rPr lang="ru-RU" smtClean="0"/>
-              <a:t>17.01.2023</a:t>
+              <a:t>20.01.2023</a:t>
             </a:fld>
             <a:endParaRPr lang="ru-RU"/>
           </a:p>
@@ -3485,7 +3486,7 @@
           <a:p>
             <a:fld id="{0EE5F6E2-3F31-4680-9C7B-A1F0DD87BB4B}" type="datetimeFigureOut">
               <a:rPr lang="ru-RU" smtClean="0"/>
-              <a:t>17.01.2023</a:t>
+              <a:t>20.01.2023</a:t>
             </a:fld>
             <a:endParaRPr lang="ru-RU"/>
           </a:p>
@@ -4125,17 +4126,17 @@
           </a:bodyPr>
           <a:lstStyle/>
           <a:p>
+            <a:endParaRPr lang="en-US" sz="2400" b="1" dirty="0"/>
+          </a:p>
+          <a:p>
             <a:r>
               <a:rPr lang="ru-RU" sz="2400" b="1" dirty="0"/>
               <a:t>Выполнили: Пономарёв И.С.</a:t>
             </a:r>
             <a:r>
               <a:rPr lang="en-US" sz="2400" b="1" dirty="0"/>
-              <a:t>;</a:t>
-            </a:r>
-            <a:endParaRPr lang="ru-RU" sz="2400" b="1" dirty="0"/>
-          </a:p>
-          <a:p>
+              <a:t>; </a:t>
+            </a:r>
             <a:r>
               <a:rPr lang="ru-RU" sz="2400" b="1" dirty="0"/>
               <a:t>Новиков И.С.</a:t>
@@ -4233,17 +4234,20 @@
           </a:bodyPr>
           <a:lstStyle/>
           <a:p>
-            <a:r>
-              <a:rPr lang="ru-RU" sz="2800" dirty="0"/>
-              <a:t>В сегодняшнее нужно быть всесторонне развитым. Но как совмещать отдых и учёбу</a:t>
-            </a:r>
-            <a:r>
-              <a:rPr lang="en-US" sz="2800" dirty="0"/>
+            <a:pPr marL="0" indent="457200" algn="just">
+              <a:buNone/>
+            </a:pPr>
+            <a:r>
+              <a:rPr lang="ru-RU" sz="2800" i="1" dirty="0"/>
+              <a:t>В наше время нужно быть всесторонне развитым. Но как совмещать отдых и учёбу</a:t>
+            </a:r>
+            <a:r>
+              <a:rPr lang="en-US" sz="2800" i="1" dirty="0"/>
               <a:t>?</a:t>
             </a:r>
             <a:r>
-              <a:rPr lang="ru-RU" sz="2800" dirty="0"/>
-              <a:t> Конечно же ответ – игры! Игры помогают выработать стратегическое мышление, развивают многозадачность, концентрацию, а также наш кругозор.</a:t>
+              <a:rPr lang="ru-RU" sz="2800" i="1" dirty="0"/>
+              <a:t> Конечно же ответ – игры! Игры помогают выработать стратегическое мышление, развивают многозадачность, концентрацию, а также наш кругозор. Играть в игры конечно хорошо, но создавать их – ещё лучше.</a:t>
             </a:r>
           </a:p>
         </p:txBody>
@@ -4294,8 +4298,8 @@
         </p:blipFill>
         <p:spPr>
           <a:xfrm>
-            <a:off x="4569069" y="4287480"/>
-            <a:ext cx="3053862" cy="3053862"/>
+            <a:off x="4351170" y="4146804"/>
+            <a:ext cx="3489660" cy="3489660"/>
           </a:xfrm>
           <a:prstGeom prst="rect">
             <a:avLst/>
@@ -4340,6 +4344,254 @@
           <p:cNvPr id="2" name="Заголовок 1">
             <a:extLst>
               <a:ext uri="{FF2B5EF4-FFF2-40B4-BE49-F238E27FC236}">
+                <a16:creationId xmlns:a16="http://schemas.microsoft.com/office/drawing/2014/main" id="{6DE594FC-EB7A-1E51-EF1D-26C116D4FE2B}"/>
+              </a:ext>
+            </a:extLst>
+          </p:cNvPr>
+          <p:cNvSpPr>
+            <a:spLocks noGrp="1"/>
+          </p:cNvSpPr>
+          <p:nvPr>
+            <p:ph type="title"/>
+          </p:nvPr>
+        </p:nvSpPr>
+        <p:spPr/>
+        <p:txBody>
+          <a:bodyPr/>
+          <a:lstStyle/>
+          <a:p>
+            <a:r>
+              <a:rPr lang="ru-RU" dirty="0"/>
+              <a:t>Как создавать игры</a:t>
+            </a:r>
+            <a:r>
+              <a:rPr lang="en-US" dirty="0"/>
+              <a:t>?</a:t>
+            </a:r>
+            <a:endParaRPr lang="ru-RU" dirty="0"/>
+          </a:p>
+        </p:txBody>
+      </p:sp>
+      <p:sp>
+        <p:nvSpPr>
+          <p:cNvPr id="3" name="Объект 2">
+            <a:extLst>
+              <a:ext uri="{FF2B5EF4-FFF2-40B4-BE49-F238E27FC236}">
+                <a16:creationId xmlns:a16="http://schemas.microsoft.com/office/drawing/2014/main" id="{01194E97-DC17-090B-340A-4D7DF0470224}"/>
+              </a:ext>
+            </a:extLst>
+          </p:cNvPr>
+          <p:cNvSpPr>
+            <a:spLocks noGrp="1"/>
+          </p:cNvSpPr>
+          <p:nvPr>
+            <p:ph idx="1"/>
+          </p:nvPr>
+        </p:nvSpPr>
+        <p:spPr/>
+        <p:txBody>
+          <a:bodyPr>
+            <a:normAutofit/>
+          </a:bodyPr>
+          <a:lstStyle/>
+          <a:p>
+            <a:pPr indent="182880" algn="just"/>
+            <a:r>
+              <a:rPr lang="ru-RU" sz="2400" i="1" dirty="0"/>
+              <a:t>Существует огромное количество условно-бесплатных программ, игровых движков для создания различных игр: </a:t>
+            </a:r>
+            <a:r>
+              <a:rPr lang="en-US" sz="2400" i="1" dirty="0"/>
+              <a:t>Unity, Unreal Engine, CryEngine, Godot</a:t>
+            </a:r>
+            <a:r>
+              <a:rPr lang="ru-RU" sz="2400" i="1" dirty="0"/>
+              <a:t> и другие.</a:t>
+            </a:r>
+          </a:p>
+          <a:p>
+            <a:pPr indent="182880" algn="just"/>
+            <a:r>
+              <a:rPr lang="ru-RU" sz="2400" i="1" dirty="0"/>
+              <a:t>Помимо этого в некоторых языках программирования присутствуют наборы модулей, предназначенные для написания компьютерных игр и мультимедиа-приложений. Таковым является </a:t>
+            </a:r>
+            <a:r>
+              <a:rPr lang="en-US" sz="2400" i="1" dirty="0" err="1"/>
+              <a:t>PyGame</a:t>
+            </a:r>
+            <a:r>
+              <a:rPr lang="ru-RU" sz="2400" i="1" dirty="0"/>
+              <a:t>.</a:t>
+            </a:r>
+          </a:p>
+        </p:txBody>
+      </p:sp>
+      <p:pic>
+        <p:nvPicPr>
+          <p:cNvPr id="5" name="Рисунок 4">
+            <a:extLst>
+              <a:ext uri="{FF2B5EF4-FFF2-40B4-BE49-F238E27FC236}">
+                <a16:creationId xmlns:a16="http://schemas.microsoft.com/office/drawing/2014/main" id="{E7ED06D0-3010-5DB0-5AC7-536D7B30C955}"/>
+              </a:ext>
+            </a:extLst>
+          </p:cNvPr>
+          <p:cNvPicPr>
+            <a:picLocks noChangeAspect="1"/>
+          </p:cNvPicPr>
+          <p:nvPr/>
+        </p:nvPicPr>
+        <p:blipFill>
+          <a:blip r:embed="rId2">
+            <a:extLst>
+              <a:ext uri="{28A0092B-C50C-407E-A947-70E740481C1C}">
+                <a14:useLocalDpi xmlns:a14="http://schemas.microsoft.com/office/drawing/2010/main" val="0"/>
+              </a:ext>
+            </a:extLst>
+          </a:blip>
+          <a:stretch>
+            <a:fillRect/>
+          </a:stretch>
+        </p:blipFill>
+        <p:spPr>
+          <a:xfrm>
+            <a:off x="1063752" y="4683379"/>
+            <a:ext cx="2953378" cy="1689989"/>
+          </a:xfrm>
+          <a:prstGeom prst="rect">
+            <a:avLst/>
+          </a:prstGeom>
+        </p:spPr>
+      </p:pic>
+      <p:pic>
+        <p:nvPicPr>
+          <p:cNvPr id="7" name="Рисунок 6">
+            <a:extLst>
+              <a:ext uri="{FF2B5EF4-FFF2-40B4-BE49-F238E27FC236}">
+                <a16:creationId xmlns:a16="http://schemas.microsoft.com/office/drawing/2014/main" id="{439EDE68-7FA5-747C-3BB9-C7D25078ECE3}"/>
+              </a:ext>
+            </a:extLst>
+          </p:cNvPr>
+          <p:cNvPicPr>
+            <a:picLocks noChangeAspect="1"/>
+          </p:cNvPicPr>
+          <p:nvPr/>
+        </p:nvPicPr>
+        <p:blipFill>
+          <a:blip r:embed="rId3">
+            <a:extLst>
+              <a:ext uri="{BEBA8EAE-BF5A-486C-A8C5-ECC9F3942E4B}">
+                <a14:imgProps xmlns:a14="http://schemas.microsoft.com/office/drawing/2010/main">
+                  <a14:imgLayer r:embed="rId4">
+                    <a14:imgEffect>
+                      <a14:backgroundRemoval t="8789" b="91602" l="10000" r="90000">
+                        <a14:foregroundMark x1="42826" y1="38086" x2="42826" y2="38086"/>
+                        <a14:foregroundMark x1="41196" y1="41992" x2="45652" y2="76758"/>
+                        <a14:foregroundMark x1="45652" y1="76758" x2="40761" y2="50781"/>
+                        <a14:foregroundMark x1="40761" y1="50781" x2="51957" y2="48047"/>
+                        <a14:foregroundMark x1="51957" y1="48047" x2="64565" y2="58984"/>
+                        <a14:foregroundMark x1="64565" y1="58984" x2="58152" y2="27734"/>
+                        <a14:foregroundMark x1="58152" y1="27734" x2="45978" y2="26953"/>
+                        <a14:foregroundMark x1="40000" y1="27344" x2="40000" y2="42188"/>
+                        <a14:foregroundMark x1="48587" y1="8984" x2="48587" y2="8984"/>
+                        <a14:foregroundMark x1="50217" y1="91602" x2="53043" y2="90039"/>
+                      </a14:backgroundRemoval>
+                    </a14:imgEffect>
+                  </a14:imgLayer>
+                </a14:imgProps>
+              </a:ext>
+              <a:ext uri="{28A0092B-C50C-407E-A947-70E740481C1C}">
+                <a14:useLocalDpi xmlns:a14="http://schemas.microsoft.com/office/drawing/2010/main" val="0"/>
+              </a:ext>
+            </a:extLst>
+          </a:blip>
+          <a:stretch>
+            <a:fillRect/>
+          </a:stretch>
+        </p:blipFill>
+        <p:spPr>
+          <a:xfrm>
+            <a:off x="4665575" y="4732310"/>
+            <a:ext cx="2860849" cy="1592125"/>
+          </a:xfrm>
+          <a:prstGeom prst="rect">
+            <a:avLst/>
+          </a:prstGeom>
+        </p:spPr>
+      </p:pic>
+      <p:pic>
+        <p:nvPicPr>
+          <p:cNvPr id="9" name="Рисунок 8">
+            <a:extLst>
+              <a:ext uri="{FF2B5EF4-FFF2-40B4-BE49-F238E27FC236}">
+                <a16:creationId xmlns:a16="http://schemas.microsoft.com/office/drawing/2014/main" id="{D88FFBCE-C163-0DB3-4DC8-323D1FCF615C}"/>
+              </a:ext>
+            </a:extLst>
+          </p:cNvPr>
+          <p:cNvPicPr>
+            <a:picLocks noChangeAspect="1"/>
+          </p:cNvPicPr>
+          <p:nvPr/>
+        </p:nvPicPr>
+        <p:blipFill>
+          <a:blip r:embed="rId5">
+            <a:extLst>
+              <a:ext uri="{28A0092B-C50C-407E-A947-70E740481C1C}">
+                <a14:useLocalDpi xmlns:a14="http://schemas.microsoft.com/office/drawing/2010/main" val="0"/>
+              </a:ext>
+            </a:extLst>
+          </a:blip>
+          <a:stretch>
+            <a:fillRect/>
+          </a:stretch>
+        </p:blipFill>
+        <p:spPr>
+          <a:xfrm>
+            <a:off x="8078963" y="4923661"/>
+            <a:ext cx="3055381" cy="1209422"/>
+          </a:xfrm>
+          <a:prstGeom prst="rect">
+            <a:avLst/>
+          </a:prstGeom>
+        </p:spPr>
+      </p:pic>
+    </p:spTree>
+    <p:extLst>
+      <p:ext uri="{BB962C8B-B14F-4D97-AF65-F5344CB8AC3E}">
+        <p14:creationId xmlns:p14="http://schemas.microsoft.com/office/powerpoint/2010/main" val="474753649"/>
+      </p:ext>
+    </p:extLst>
+  </p:cSld>
+  <p:clrMapOvr>
+    <a:masterClrMapping/>
+  </p:clrMapOvr>
+  <p:transition>
+    <p:wipe/>
+  </p:transition>
+</p:sld>
+</file>
+
+<file path=ppt/slides/slide4.xml><?xml version="1.0" encoding="utf-8"?>
+<p:sld xmlns:a="http://schemas.openxmlformats.org/drawingml/2006/main" xmlns:r="http://schemas.openxmlformats.org/officeDocument/2006/relationships" xmlns:p="http://schemas.openxmlformats.org/presentationml/2006/main">
+  <p:cSld>
+    <p:spTree>
+      <p:nvGrpSpPr>
+        <p:cNvPr id="1" name=""/>
+        <p:cNvGrpSpPr/>
+        <p:nvPr/>
+      </p:nvGrpSpPr>
+      <p:grpSpPr>
+        <a:xfrm>
+          <a:off x="0" y="0"/>
+          <a:ext cx="0" cy="0"/>
+          <a:chOff x="0" y="0"/>
+          <a:chExt cx="0" cy="0"/>
+        </a:xfrm>
+      </p:grpSpPr>
+      <p:sp>
+        <p:nvSpPr>
+          <p:cNvPr id="2" name="Заголовок 1">
+            <a:extLst>
+              <a:ext uri="{FF2B5EF4-FFF2-40B4-BE49-F238E27FC236}">
                 <a16:creationId xmlns:a16="http://schemas.microsoft.com/office/drawing/2014/main" id="{9B4C9254-431C-D9E5-3A08-0A12873E1B65}"/>
               </a:ext>
             </a:extLst>
@@ -4398,20 +4650,34 @@
           </a:bodyPr>
           <a:lstStyle/>
           <a:p>
-            <a:pPr>
+            <a:pPr indent="182880" algn="just">
               <a:lnSpc>
                 <a:spcPct val="150000"/>
               </a:lnSpc>
             </a:pPr>
             <a:r>
-              <a:rPr lang="en-US" sz="4000" i="1" dirty="0" err="1">
+              <a:rPr lang="en-US" sz="3600" i="1" dirty="0" err="1">
                 <a:latin typeface="Cambria" panose="02040503050406030204" pitchFamily="18" charset="0"/>
                 <a:ea typeface="Cambria" panose="02040503050406030204" pitchFamily="18" charset="0"/>
               </a:rPr>
               <a:t>pygame</a:t>
             </a:r>
             <a:r>
-              <a:rPr lang="en-US" sz="4000" i="1" dirty="0">
+              <a:rPr lang="en-US" sz="3600" i="1" dirty="0">
+                <a:latin typeface="Cambria" panose="02040503050406030204" pitchFamily="18" charset="0"/>
+                <a:ea typeface="Cambria" panose="02040503050406030204" pitchFamily="18" charset="0"/>
+              </a:rPr>
+              <a:t> </a:t>
+            </a:r>
+            <a:r>
+              <a:rPr lang="ru-RU" sz="3600" i="1" dirty="0">
+                <a:latin typeface="Cambria" panose="02040503050406030204" pitchFamily="18" charset="0"/>
+                <a:ea typeface="Cambria" panose="02040503050406030204" pitchFamily="18" charset="0"/>
+              </a:rPr>
+              <a:t>– основная библиотека</a:t>
+            </a:r>
+            <a:r>
+              <a:rPr lang="en-US" sz="3600" i="1" dirty="0">
                 <a:latin typeface="Cambria" panose="02040503050406030204" pitchFamily="18" charset="0"/>
                 <a:ea typeface="Cambria" panose="02040503050406030204" pitchFamily="18" charset="0"/>
               </a:rPr>
@@ -4419,38 +4685,63 @@
             </a:r>
           </a:p>
           <a:p>
-            <a:pPr>
+            <a:pPr indent="182880" algn="just">
               <a:lnSpc>
                 <a:spcPct val="150000"/>
               </a:lnSpc>
             </a:pPr>
             <a:r>
-              <a:rPr lang="en-US" sz="4000" i="1" dirty="0" err="1">
+              <a:rPr lang="en-US" sz="3600" i="1" dirty="0" err="1">
                 <a:latin typeface="Cambria" panose="02040503050406030204" pitchFamily="18" charset="0"/>
                 <a:ea typeface="Cambria" panose="02040503050406030204" pitchFamily="18" charset="0"/>
               </a:rPr>
               <a:t>os</a:t>
             </a:r>
             <a:r>
-              <a:rPr lang="en-US" sz="4000" i="1" dirty="0">
+              <a:rPr lang="en-US" sz="3600" i="1" dirty="0">
                 <a:latin typeface="Cambria" panose="02040503050406030204" pitchFamily="18" charset="0"/>
                 <a:ea typeface="Cambria" panose="02040503050406030204" pitchFamily="18" charset="0"/>
               </a:rPr>
               <a:t>, sys</a:t>
             </a:r>
-          </a:p>
-          <a:p>
-            <a:pPr>
+            <a:r>
+              <a:rPr lang="ru-RU" sz="3600" i="1" dirty="0">
+                <a:latin typeface="Cambria" panose="02040503050406030204" pitchFamily="18" charset="0"/>
+                <a:ea typeface="Cambria" panose="02040503050406030204" pitchFamily="18" charset="0"/>
+              </a:rPr>
+              <a:t> – использованы работы с файлами;</a:t>
+            </a:r>
+            <a:endParaRPr lang="en-US" sz="3600" i="1" dirty="0">
+              <a:latin typeface="Cambria" panose="02040503050406030204" pitchFamily="18" charset="0"/>
+              <a:ea typeface="Cambria" panose="02040503050406030204" pitchFamily="18" charset="0"/>
+            </a:endParaRPr>
+          </a:p>
+          <a:p>
+            <a:pPr indent="182880" algn="just">
               <a:lnSpc>
                 <a:spcPct val="150000"/>
               </a:lnSpc>
             </a:pPr>
             <a:r>
-              <a:rPr lang="en-US" sz="4000" i="1" dirty="0">
+              <a:rPr lang="en-US" sz="3600" i="1" dirty="0">
                 <a:latin typeface="Cambria" panose="02040503050406030204" pitchFamily="18" charset="0"/>
                 <a:ea typeface="Cambria" panose="02040503050406030204" pitchFamily="18" charset="0"/>
               </a:rPr>
-              <a:t>math;</a:t>
+              <a:t>math</a:t>
+            </a:r>
+            <a:r>
+              <a:rPr lang="ru-RU" sz="3600" i="1" dirty="0">
+                <a:latin typeface="Cambria" panose="02040503050406030204" pitchFamily="18" charset="0"/>
+                <a:ea typeface="Cambria" panose="02040503050406030204" pitchFamily="18" charset="0"/>
+              </a:rPr>
+              <a:t> – необходима для некоторых расчётов</a:t>
+            </a:r>
+            <a:r>
+              <a:rPr lang="en-US" sz="3600" i="1" dirty="0">
+                <a:latin typeface="Cambria" panose="02040503050406030204" pitchFamily="18" charset="0"/>
+                <a:ea typeface="Cambria" panose="02040503050406030204" pitchFamily="18" charset="0"/>
+              </a:rPr>
+              <a:t>;</a:t>
             </a:r>
           </a:p>
           <a:p>
@@ -4500,8 +4791,8 @@
         </p:blipFill>
         <p:spPr>
           <a:xfrm>
-            <a:off x="7666892" y="2447510"/>
-            <a:ext cx="5372938" cy="2990156"/>
+            <a:off x="-80388" y="4342984"/>
+            <a:ext cx="4180115" cy="2326324"/>
           </a:xfrm>
           <a:prstGeom prst="rect">
             <a:avLst/>
@@ -4524,7 +4815,7 @@
 </p:sld>
 </file>
 
-<file path=ppt/slides/slide4.xml><?xml version="1.0" encoding="utf-8"?>
+<file path=ppt/slides/slide5.xml><?xml version="1.0" encoding="utf-8"?>
 <p:sld xmlns:a="http://schemas.openxmlformats.org/drawingml/2006/main" xmlns:r="http://schemas.openxmlformats.org/officeDocument/2006/relationships" xmlns:p="http://schemas.openxmlformats.org/presentationml/2006/main">
   <p:cSld>
     <p:spTree>
@@ -4587,7 +4878,7 @@
         </p:nvSpPr>
         <p:spPr>
           <a:xfrm>
-            <a:off x="913795" y="1732449"/>
+            <a:off x="919119" y="1953513"/>
             <a:ext cx="10353762" cy="4598777"/>
           </a:xfrm>
         </p:spPr>
@@ -4597,7 +4888,10 @@
           </a:bodyPr>
           <a:lstStyle/>
           <a:p>
-            <a:pPr marL="36900" indent="0">
+            <a:pPr marL="36900" indent="0" algn="just">
+              <a:lnSpc>
+                <a:spcPct val="100000"/>
+              </a:lnSpc>
               <a:buNone/>
             </a:pPr>
             <a:r>
@@ -4606,26 +4900,45 @@
             </a:r>
           </a:p>
           <a:p>
+            <a:pPr algn="just">
+              <a:lnSpc>
+                <a:spcPct val="100000"/>
+              </a:lnSpc>
+            </a:pPr>
             <a:r>
               <a:rPr lang="en-US" sz="3200" dirty="0"/>
-              <a:t>main – </a:t>
-            </a:r>
-            <a:r>
-              <a:rPr lang="ru-RU" sz="3200" dirty="0"/>
+              <a:t>main </a:t>
+            </a:r>
+            <a:r>
+              <a:rPr lang="en-US" sz="3200" i="1" dirty="0"/>
+              <a:t>– </a:t>
+            </a:r>
+            <a:r>
+              <a:rPr lang="ru-RU" sz="3200" i="1" dirty="0"/>
               <a:t>главный цикл игры;</a:t>
             </a:r>
           </a:p>
           <a:p>
+            <a:pPr algn="just">
+              <a:lnSpc>
+                <a:spcPct val="100000"/>
+              </a:lnSpc>
+            </a:pPr>
             <a:r>
               <a:rPr lang="en-US" sz="3200" dirty="0"/>
               <a:t>Hexagon, Board </a:t>
             </a:r>
             <a:r>
-              <a:rPr lang="ru-RU" sz="3200" dirty="0"/>
+              <a:rPr lang="ru-RU" sz="3200" i="1" dirty="0"/>
               <a:t>– классы для с гексагональной сеткой;</a:t>
             </a:r>
           </a:p>
           <a:p>
+            <a:pPr algn="just">
+              <a:lnSpc>
+                <a:spcPct val="100000"/>
+              </a:lnSpc>
+            </a:pPr>
             <a:r>
               <a:rPr lang="en-US" sz="3200" dirty="0" err="1"/>
               <a:t>BaseUnit</a:t>
@@ -4639,11 +4952,16 @@
               <a:t>– </a:t>
             </a:r>
             <a:r>
-              <a:rPr lang="ru-RU" sz="3200" dirty="0"/>
+              <a:rPr lang="ru-RU" sz="3200" i="1" dirty="0"/>
               <a:t>базовый класс реализации юнитов;</a:t>
             </a:r>
           </a:p>
           <a:p>
+            <a:pPr algn="just">
+              <a:lnSpc>
+                <a:spcPct val="100000"/>
+              </a:lnSpc>
+            </a:pPr>
             <a:r>
               <a:rPr lang="en-US" sz="3200" dirty="0" err="1"/>
               <a:t>AnimatedSprite</a:t>
@@ -4653,15 +4971,15 @@
               <a:t> – </a:t>
             </a:r>
             <a:r>
-              <a:rPr lang="ru-RU" sz="3200" dirty="0"/>
+              <a:rPr lang="ru-RU" sz="3200" i="1" dirty="0"/>
               <a:t>класс для работы с </a:t>
             </a:r>
             <a:r>
-              <a:rPr lang="ru-RU" sz="3200" dirty="0" err="1"/>
+              <a:rPr lang="ru-RU" sz="3200" i="1" dirty="0" err="1"/>
               <a:t>анимациями</a:t>
             </a:r>
             <a:r>
-              <a:rPr lang="ru-RU" sz="3200" dirty="0"/>
+              <a:rPr lang="ru-RU" sz="3200" i="1" dirty="0"/>
               <a:t>;</a:t>
             </a:r>
           </a:p>
@@ -4683,7 +5001,7 @@
 </p:sld>
 </file>
 
-<file path=ppt/slides/slide5.xml><?xml version="1.0" encoding="utf-8"?>
+<file path=ppt/slides/slide6.xml><?xml version="1.0" encoding="utf-8"?>
 <p:sld xmlns:a="http://schemas.openxmlformats.org/drawingml/2006/main" xmlns:r="http://schemas.openxmlformats.org/officeDocument/2006/relationships" xmlns:p="http://schemas.openxmlformats.org/presentationml/2006/main">
   <p:cSld>
     <p:spTree>
@@ -4822,7 +5140,7 @@
 </p:sld>
 </file>
 
-<file path=ppt/slides/slide6.xml><?xml version="1.0" encoding="utf-8"?>
+<file path=ppt/slides/slide7.xml><?xml version="1.0" encoding="utf-8"?>
 <p:sld xmlns:a="http://schemas.openxmlformats.org/drawingml/2006/main" xmlns:r="http://schemas.openxmlformats.org/officeDocument/2006/relationships" xmlns:p="http://schemas.openxmlformats.org/presentationml/2006/main">
   <p:cSld>
     <p:spTree>
@@ -4886,7 +5204,7 @@
         <p:spPr/>
         <p:txBody>
           <a:bodyPr>
-            <a:normAutofit/>
+            <a:normAutofit lnSpcReduction="10000"/>
           </a:bodyPr>
           <a:lstStyle/>
           <a:p>
@@ -4894,52 +5212,196 @@
               <a:buNone/>
             </a:pPr>
             <a:r>
-              <a:rPr lang="ru-RU" sz="2800" dirty="0"/>
+              <a:rPr lang="ru-RU" sz="3200" i="1" dirty="0"/>
               <a:t>В игре представлено 4 вида юнитов</a:t>
             </a:r>
             <a:r>
-              <a:rPr lang="en-US" sz="2800" dirty="0"/>
+              <a:rPr lang="en-US" sz="3200" i="1" dirty="0"/>
               <a:t>:</a:t>
             </a:r>
           </a:p>
           <a:p>
             <a:r>
-              <a:rPr lang="ru-RU" sz="2800" dirty="0"/>
+              <a:rPr lang="ru-RU" sz="3200" i="1" dirty="0"/>
               <a:t>Пехота</a:t>
             </a:r>
             <a:r>
-              <a:rPr lang="en-US" sz="2800" dirty="0"/>
+              <a:rPr lang="en-US" sz="3200" i="1" dirty="0"/>
               <a:t>: </a:t>
             </a:r>
             <a:r>
-              <a:rPr lang="ru-RU" sz="2800" dirty="0"/>
+              <a:rPr lang="ru-RU" sz="3200" i="1" dirty="0"/>
               <a:t>универсальный юнит</a:t>
             </a:r>
             <a:r>
-              <a:rPr lang="en-US" sz="2800" dirty="0"/>
+              <a:rPr lang="en-US" sz="3200" i="1" dirty="0"/>
               <a:t>;</a:t>
             </a:r>
           </a:p>
           <a:p>
             <a:r>
-              <a:rPr lang="ru-RU" sz="2800" dirty="0"/>
+              <a:rPr lang="ru-RU" sz="3200" i="1" dirty="0"/>
               <a:t>Противотанковая пехота: хорошо уничтожает танки;</a:t>
             </a:r>
           </a:p>
           <a:p>
             <a:r>
-              <a:rPr lang="ru-RU" sz="2800" dirty="0"/>
+              <a:rPr lang="ru-RU" sz="3200" i="1" dirty="0"/>
               <a:t>Танк: хорошо бронирован, почти неуязвим для пехоты;</a:t>
             </a:r>
           </a:p>
           <a:p>
             <a:r>
-              <a:rPr lang="ru-RU" sz="2800" dirty="0"/>
+              <a:rPr lang="ru-RU" sz="3200" i="1" dirty="0"/>
               <a:t>Грузовик поддержки: поддерживает бойцов, пока что только морально;</a:t>
             </a:r>
           </a:p>
         </p:txBody>
       </p:sp>
+      <p:pic>
+        <p:nvPicPr>
+          <p:cNvPr id="5" name="Рисунок 4">
+            <a:extLst>
+              <a:ext uri="{FF2B5EF4-FFF2-40B4-BE49-F238E27FC236}">
+                <a16:creationId xmlns:a16="http://schemas.microsoft.com/office/drawing/2014/main" id="{D6D76E87-500E-17C8-0D9A-3382EEF9A321}"/>
+              </a:ext>
+            </a:extLst>
+          </p:cNvPr>
+          <p:cNvPicPr>
+            <a:picLocks noChangeAspect="1"/>
+          </p:cNvPicPr>
+          <p:nvPr/>
+        </p:nvPicPr>
+        <p:blipFill>
+          <a:blip r:embed="rId2">
+            <a:extLst>
+              <a:ext uri="{28A0092B-C50C-407E-A947-70E740481C1C}">
+                <a14:useLocalDpi xmlns:a14="http://schemas.microsoft.com/office/drawing/2010/main" val="0"/>
+              </a:ext>
+            </a:extLst>
+          </a:blip>
+          <a:stretch>
+            <a:fillRect/>
+          </a:stretch>
+        </p:blipFill>
+        <p:spPr>
+          <a:xfrm>
+            <a:off x="10335769" y="4146804"/>
+            <a:ext cx="716045" cy="716045"/>
+          </a:xfrm>
+          <a:prstGeom prst="rect">
+            <a:avLst/>
+          </a:prstGeom>
+        </p:spPr>
+      </p:pic>
+      <p:pic>
+        <p:nvPicPr>
+          <p:cNvPr id="7" name="Рисунок 6">
+            <a:extLst>
+              <a:ext uri="{FF2B5EF4-FFF2-40B4-BE49-F238E27FC236}">
+                <a16:creationId xmlns:a16="http://schemas.microsoft.com/office/drawing/2014/main" id="{DEAE209D-2E96-A317-8178-5E84C3B44211}"/>
+              </a:ext>
+            </a:extLst>
+          </p:cNvPr>
+          <p:cNvPicPr>
+            <a:picLocks noChangeAspect="1"/>
+          </p:cNvPicPr>
+          <p:nvPr/>
+        </p:nvPicPr>
+        <p:blipFill>
+          <a:blip r:embed="rId3">
+            <a:extLst>
+              <a:ext uri="{28A0092B-C50C-407E-A947-70E740481C1C}">
+                <a14:useLocalDpi xmlns:a14="http://schemas.microsoft.com/office/drawing/2010/main" val="0"/>
+              </a:ext>
+            </a:extLst>
+          </a:blip>
+          <a:stretch>
+            <a:fillRect/>
+          </a:stretch>
+        </p:blipFill>
+        <p:spPr>
+          <a:xfrm>
+            <a:off x="10376330" y="3361174"/>
+            <a:ext cx="634921" cy="634921"/>
+          </a:xfrm>
+          <a:prstGeom prst="rect">
+            <a:avLst/>
+          </a:prstGeom>
+        </p:spPr>
+      </p:pic>
+      <p:pic>
+        <p:nvPicPr>
+          <p:cNvPr id="9" name="Рисунок 8">
+            <a:extLst>
+              <a:ext uri="{FF2B5EF4-FFF2-40B4-BE49-F238E27FC236}">
+                <a16:creationId xmlns:a16="http://schemas.microsoft.com/office/drawing/2014/main" id="{8AF03FF3-1AAD-2E16-B079-4A856F223A59}"/>
+              </a:ext>
+            </a:extLst>
+          </p:cNvPr>
+          <p:cNvPicPr>
+            <a:picLocks noChangeAspect="1"/>
+          </p:cNvPicPr>
+          <p:nvPr/>
+        </p:nvPicPr>
+        <p:blipFill>
+          <a:blip r:embed="rId4">
+            <a:extLst>
+              <a:ext uri="{28A0092B-C50C-407E-A947-70E740481C1C}">
+                <a14:useLocalDpi xmlns:a14="http://schemas.microsoft.com/office/drawing/2010/main" val="0"/>
+              </a:ext>
+            </a:extLst>
+          </a:blip>
+          <a:stretch>
+            <a:fillRect/>
+          </a:stretch>
+        </p:blipFill>
+        <p:spPr>
+          <a:xfrm>
+            <a:off x="10376330" y="2519992"/>
+            <a:ext cx="634921" cy="634921"/>
+          </a:xfrm>
+          <a:prstGeom prst="rect">
+            <a:avLst/>
+          </a:prstGeom>
+        </p:spPr>
+      </p:pic>
+      <p:pic>
+        <p:nvPicPr>
+          <p:cNvPr id="11" name="Рисунок 10">
+            <a:extLst>
+              <a:ext uri="{FF2B5EF4-FFF2-40B4-BE49-F238E27FC236}">
+                <a16:creationId xmlns:a16="http://schemas.microsoft.com/office/drawing/2014/main" id="{0B8D200E-EF2F-2D33-7B38-518E3AC6F24E}"/>
+              </a:ext>
+            </a:extLst>
+          </p:cNvPr>
+          <p:cNvPicPr>
+            <a:picLocks noChangeAspect="1"/>
+          </p:cNvPicPr>
+          <p:nvPr/>
+        </p:nvPicPr>
+        <p:blipFill>
+          <a:blip r:embed="rId5">
+            <a:extLst>
+              <a:ext uri="{28A0092B-C50C-407E-A947-70E740481C1C}">
+                <a14:useLocalDpi xmlns:a14="http://schemas.microsoft.com/office/drawing/2010/main" val="0"/>
+              </a:ext>
+            </a:extLst>
+          </a:blip>
+          <a:stretch>
+            <a:fillRect/>
+          </a:stretch>
+        </p:blipFill>
+        <p:spPr>
+          <a:xfrm>
+            <a:off x="10261763" y="5013558"/>
+            <a:ext cx="864054" cy="864054"/>
+          </a:xfrm>
+          <a:prstGeom prst="rect">
+            <a:avLst/>
+          </a:prstGeom>
+        </p:spPr>
+      </p:pic>
     </p:spTree>
     <p:extLst>
       <p:ext uri="{BB962C8B-B14F-4D97-AF65-F5344CB8AC3E}">
@@ -4956,7 +5418,7 @@
 </p:sld>
 </file>
 
-<file path=ppt/slides/slide7.xml><?xml version="1.0" encoding="utf-8"?>
+<file path=ppt/slides/slide8.xml><?xml version="1.0" encoding="utf-8"?>
 <p:sld xmlns:a="http://schemas.openxmlformats.org/drawingml/2006/main" xmlns:r="http://schemas.openxmlformats.org/officeDocument/2006/relationships" xmlns:p="http://schemas.openxmlformats.org/presentationml/2006/main">
   <p:cSld>
     <p:spTree>

--- a/presentation.pptx
+++ b/presentation.pptx
@@ -5069,6 +5069,9 @@
           </a:bodyPr>
           <a:lstStyle/>
           <a:p>
+            <a:pPr marL="0" indent="457200" algn="just">
+              <a:buNone/>
+            </a:pPr>
             <a:r>
               <a:rPr lang="ru-RU" sz="2800" i="1" dirty="0"/>
               <a:t>В данной стратегической игре для двух игроков мы реализовали противостояние их юнитов на поле сражения. У каждого юнита свои сильные и слабые стороны. Правильное распределение своих войск – ключ к победе!</a:t>
@@ -5103,7 +5106,7 @@
         </p:blipFill>
         <p:spPr>
           <a:xfrm>
-            <a:off x="1215849" y="4020432"/>
+            <a:off x="3769806" y="3929997"/>
             <a:ext cx="4652387" cy="2443371"/>
           </a:xfrm>
           <a:prstGeom prst="roundRect">
@@ -5201,14 +5204,19 @@
             <p:ph idx="1"/>
           </p:nvPr>
         </p:nvSpPr>
-        <p:spPr/>
+        <p:spPr>
+          <a:xfrm>
+            <a:off x="1063752" y="2030989"/>
+            <a:ext cx="10058400" cy="4050792"/>
+          </a:xfrm>
+        </p:spPr>
         <p:txBody>
           <a:bodyPr>
             <a:normAutofit lnSpcReduction="10000"/>
           </a:bodyPr>
           <a:lstStyle/>
           <a:p>
-            <a:pPr marL="0" indent="0">
+            <a:pPr marL="0" indent="0" algn="just">
               <a:buNone/>
             </a:pPr>
             <a:r>
@@ -5221,6 +5229,7 @@
             </a:r>
           </a:p>
           <a:p>
+            <a:pPr algn="just"/>
             <a:r>
               <a:rPr lang="ru-RU" sz="3200" i="1" dirty="0"/>
               <a:t>Пехота</a:t>
@@ -5239,18 +5248,21 @@
             </a:r>
           </a:p>
           <a:p>
+            <a:pPr algn="just"/>
             <a:r>
               <a:rPr lang="ru-RU" sz="3200" i="1" dirty="0"/>
               <a:t>Противотанковая пехота: хорошо уничтожает танки;</a:t>
             </a:r>
           </a:p>
           <a:p>
+            <a:pPr algn="just"/>
             <a:r>
               <a:rPr lang="ru-RU" sz="3200" i="1" dirty="0"/>
               <a:t>Танк: хорошо бронирован, почти неуязвим для пехоты;</a:t>
             </a:r>
           </a:p>
           <a:p>
+            <a:pPr algn="just"/>
             <a:r>
               <a:rPr lang="ru-RU" sz="3200" i="1" dirty="0"/>
               <a:t>Грузовик поддержки: поддерживает бойцов, пока что только морально;</a:t>
@@ -5286,7 +5298,7 @@
         </p:blipFill>
         <p:spPr>
           <a:xfrm>
-            <a:off x="10335769" y="4146804"/>
+            <a:off x="11196158" y="4035880"/>
             <a:ext cx="716045" cy="716045"/>
           </a:xfrm>
           <a:prstGeom prst="rect">
@@ -5322,7 +5334,7 @@
         </p:blipFill>
         <p:spPr>
           <a:xfrm>
-            <a:off x="10376330" y="3361174"/>
+            <a:off x="11236719" y="3250250"/>
             <a:ext cx="634921" cy="634921"/>
           </a:xfrm>
           <a:prstGeom prst="rect">
@@ -5358,7 +5370,7 @@
         </p:blipFill>
         <p:spPr>
           <a:xfrm>
-            <a:off x="10376330" y="2519992"/>
+            <a:off x="11236719" y="2409068"/>
             <a:ext cx="634921" cy="634921"/>
           </a:xfrm>
           <a:prstGeom prst="rect">
@@ -5394,7 +5406,7 @@
         </p:blipFill>
         <p:spPr>
           <a:xfrm>
-            <a:off x="10261763" y="5013558"/>
+            <a:off x="11122152" y="4902634"/>
             <a:ext cx="864054" cy="864054"/>
           </a:xfrm>
           <a:prstGeom prst="rect">
@@ -5486,11 +5498,11 @@
           </a:bodyPr>
           <a:lstStyle/>
           <a:p>
-            <a:pPr marL="36900" indent="0">
+            <a:pPr marL="36900" indent="457200" algn="just">
               <a:buNone/>
             </a:pPr>
             <a:r>
-              <a:rPr lang="ru-RU" sz="2800" dirty="0"/>
+              <a:rPr lang="ru-RU" sz="2800" i="1" dirty="0"/>
               <a:t>Я считаю, что, имея некоторые знания в программировании, можно написать «игру своей мечты», в которой можно реализовать всё, ограничение в которой лишь наша фантазия.</a:t>
             </a:r>
           </a:p>
